--- a/Präsentation/Statuspräsentation2.pptx
+++ b/Präsentation/Statuspräsentation2.pptx
@@ -5,11 +5,15 @@
     <p:sldMasterId id="2147483648" r:id="rId1"/>
   </p:sldMasterIdLst>
   <p:notesMasterIdLst>
-    <p:notesMasterId r:id="rId4"/>
+    <p:notesMasterId r:id="rId8"/>
   </p:notesMasterIdLst>
   <p:sldIdLst>
     <p:sldId id="256" r:id="rId2"/>
     <p:sldId id="260" r:id="rId3"/>
+    <p:sldId id="258" r:id="rId4"/>
+    <p:sldId id="261" r:id="rId5"/>
+    <p:sldId id="262" r:id="rId6"/>
+    <p:sldId id="263" r:id="rId7"/>
   </p:sldIdLst>
   <p:sldSz cx="12192000" cy="6858000"/>
   <p:notesSz cx="6858000" cy="9144000"/>
@@ -7696,6 +7700,913 @@
     <p:extLst>
       <p:ext uri="{BB962C8B-B14F-4D97-AF65-F5344CB8AC3E}">
         <p14:creationId xmlns:p14="http://schemas.microsoft.com/office/powerpoint/2010/main" val="837063793"/>
+      </p:ext>
+    </p:extLst>
+  </p:cSld>
+  <p:clrMapOvr>
+    <a:masterClrMapping/>
+  </p:clrMapOvr>
+</p:sld>
+</file>
+
+<file path=ppt/slides/slide3.xml><?xml version="1.0" encoding="utf-8"?>
+<p:sld xmlns:a="http://schemas.openxmlformats.org/drawingml/2006/main" xmlns:r="http://schemas.openxmlformats.org/officeDocument/2006/relationships" xmlns:p="http://schemas.openxmlformats.org/presentationml/2006/main">
+  <p:cSld>
+    <p:spTree>
+      <p:nvGrpSpPr>
+        <p:cNvPr id="1" name=""/>
+        <p:cNvGrpSpPr/>
+        <p:nvPr/>
+      </p:nvGrpSpPr>
+      <p:grpSpPr>
+        <a:xfrm>
+          <a:off x="0" y="0"/>
+          <a:ext cx="0" cy="0"/>
+          <a:chOff x="0" y="0"/>
+          <a:chExt cx="0" cy="0"/>
+        </a:xfrm>
+      </p:grpSpPr>
+      <p:sp>
+        <p:nvSpPr>
+          <p:cNvPr id="4" name="Titel 3">
+            <a:extLst>
+              <a:ext uri="{FF2B5EF4-FFF2-40B4-BE49-F238E27FC236}">
+                <a16:creationId xmlns:a16="http://schemas.microsoft.com/office/drawing/2014/main" id="{84C68109-468E-4320-A347-CD61565ABD8B}"/>
+              </a:ext>
+            </a:extLst>
+          </p:cNvPr>
+          <p:cNvSpPr>
+            <a:spLocks noGrp="1"/>
+          </p:cNvSpPr>
+          <p:nvPr>
+            <p:ph type="title"/>
+          </p:nvPr>
+        </p:nvSpPr>
+        <p:spPr>
+          <a:xfrm>
+            <a:off x="684212" y="4411744"/>
+            <a:ext cx="8534400" cy="714656"/>
+          </a:xfrm>
+        </p:spPr>
+        <p:txBody>
+          <a:bodyPr/>
+          <a:lstStyle/>
+          <a:p>
+            <a:r>
+              <a:rPr lang="de-DE" dirty="0"/>
+              <a:t>User Experience</a:t>
+            </a:r>
+          </a:p>
+        </p:txBody>
+      </p:sp>
+      <p:sp>
+        <p:nvSpPr>
+          <p:cNvPr id="5" name="Textplatzhalter 4">
+            <a:extLst>
+              <a:ext uri="{FF2B5EF4-FFF2-40B4-BE49-F238E27FC236}">
+                <a16:creationId xmlns:a16="http://schemas.microsoft.com/office/drawing/2014/main" id="{E127A5F6-278C-46F5-B682-739817FF04BE}"/>
+              </a:ext>
+            </a:extLst>
+          </p:cNvPr>
+          <p:cNvSpPr>
+            <a:spLocks noGrp="1"/>
+          </p:cNvSpPr>
+          <p:nvPr>
+            <p:ph type="body" idx="1"/>
+          </p:nvPr>
+        </p:nvSpPr>
+        <p:spPr/>
+        <p:txBody>
+          <a:bodyPr/>
+          <a:lstStyle/>
+          <a:p>
+            <a:r>
+              <a:rPr lang="de-DE" b="1" dirty="0"/>
+              <a:t>Christopher Pschibila / UX-Manager</a:t>
+            </a:r>
+          </a:p>
+          <a:p>
+            <a:endParaRPr lang="de-DE" dirty="0"/>
+          </a:p>
+        </p:txBody>
+      </p:sp>
+      <p:sp>
+        <p:nvSpPr>
+          <p:cNvPr id="2" name="Fußzeilenplatzhalter 1">
+            <a:extLst>
+              <a:ext uri="{FF2B5EF4-FFF2-40B4-BE49-F238E27FC236}">
+                <a16:creationId xmlns:a16="http://schemas.microsoft.com/office/drawing/2014/main" id="{E7E1272E-DBA6-4C09-A303-DD0B15BECA8F}"/>
+              </a:ext>
+            </a:extLst>
+          </p:cNvPr>
+          <p:cNvSpPr>
+            <a:spLocks noGrp="1"/>
+          </p:cNvSpPr>
+          <p:nvPr>
+            <p:ph type="ftr" sz="quarter" idx="11"/>
+          </p:nvPr>
+        </p:nvSpPr>
+        <p:spPr/>
+        <p:txBody>
+          <a:bodyPr/>
+          <a:lstStyle/>
+          <a:p>
+            <a:r>
+              <a:rPr lang="en-US"/>
+              <a:t>KA-Share</a:t>
+            </a:r>
+            <a:endParaRPr lang="en-US" dirty="0"/>
+          </a:p>
+        </p:txBody>
+      </p:sp>
+      <p:sp>
+        <p:nvSpPr>
+          <p:cNvPr id="3" name="Datumsplatzhalter 2">
+            <a:extLst>
+              <a:ext uri="{FF2B5EF4-FFF2-40B4-BE49-F238E27FC236}">
+                <a16:creationId xmlns:a16="http://schemas.microsoft.com/office/drawing/2014/main" id="{2DFD3153-86A9-4D4B-A1DF-7A2F6F0BA133}"/>
+              </a:ext>
+            </a:extLst>
+          </p:cNvPr>
+          <p:cNvSpPr>
+            <a:spLocks noGrp="1"/>
+          </p:cNvSpPr>
+          <p:nvPr>
+            <p:ph type="dt" sz="half" idx="10"/>
+          </p:nvPr>
+        </p:nvSpPr>
+        <p:spPr/>
+        <p:txBody>
+          <a:bodyPr/>
+          <a:lstStyle/>
+          <a:p>
+            <a:r>
+              <a:rPr lang="de-DE" dirty="0"/>
+              <a:t>18.03.2019</a:t>
+            </a:r>
+            <a:endParaRPr lang="en-US" dirty="0"/>
+          </a:p>
+        </p:txBody>
+      </p:sp>
+      <p:pic>
+        <p:nvPicPr>
+          <p:cNvPr id="6" name="Grafik 5" descr="Auto">
+            <a:extLst>
+              <a:ext uri="{FF2B5EF4-FFF2-40B4-BE49-F238E27FC236}">
+                <a16:creationId xmlns:a16="http://schemas.microsoft.com/office/drawing/2014/main" id="{BB1CAF7E-22C8-4388-9AE5-9DB1D0690E8D}"/>
+              </a:ext>
+            </a:extLst>
+          </p:cNvPr>
+          <p:cNvPicPr>
+            <a:picLocks noChangeAspect="1"/>
+          </p:cNvPicPr>
+          <p:nvPr/>
+        </p:nvPicPr>
+        <p:blipFill>
+          <a:blip r:embed="rId2">
+            <a:extLst>
+              <a:ext uri="{96DAC541-7B7A-43D3-8B79-37D633B846F1}">
+                <asvg:svgBlip xmlns:asvg="http://schemas.microsoft.com/office/drawing/2016/SVG/main" r:embed="rId3"/>
+              </a:ext>
+            </a:extLst>
+          </a:blip>
+          <a:stretch>
+            <a:fillRect/>
+          </a:stretch>
+        </p:blipFill>
+        <p:spPr>
+          <a:xfrm rot="18952507">
+            <a:off x="10890173" y="2415118"/>
+            <a:ext cx="1228875" cy="1228875"/>
+          </a:xfrm>
+          <a:prstGeom prst="rect">
+            <a:avLst/>
+          </a:prstGeom>
+        </p:spPr>
+      </p:pic>
+      <p:sp>
+        <p:nvSpPr>
+          <p:cNvPr id="7" name="Foliennummernplatzhalter 6">
+            <a:extLst>
+              <a:ext uri="{FF2B5EF4-FFF2-40B4-BE49-F238E27FC236}">
+                <a16:creationId xmlns:a16="http://schemas.microsoft.com/office/drawing/2014/main" id="{34ED39B3-FC6D-4359-BCAC-59F383486987}"/>
+              </a:ext>
+            </a:extLst>
+          </p:cNvPr>
+          <p:cNvSpPr>
+            <a:spLocks noGrp="1"/>
+          </p:cNvSpPr>
+          <p:nvPr>
+            <p:ph type="sldNum" sz="quarter" idx="12"/>
+          </p:nvPr>
+        </p:nvSpPr>
+        <p:spPr/>
+        <p:txBody>
+          <a:bodyPr/>
+          <a:lstStyle/>
+          <a:p>
+            <a:fld id="{D57F1E4F-1CFF-5643-939E-217C01CDF565}" type="slidenum">
+              <a:rPr lang="en-US" smtClean="0"/>
+              <a:pPr/>
+              <a:t>3</a:t>
+            </a:fld>
+            <a:endParaRPr lang="en-US" dirty="0"/>
+          </a:p>
+        </p:txBody>
+      </p:sp>
+      <p:sp>
+        <p:nvSpPr>
+          <p:cNvPr id="8" name="Titel 3">
+            <a:extLst>
+              <a:ext uri="{FF2B5EF4-FFF2-40B4-BE49-F238E27FC236}">
+                <a16:creationId xmlns:a16="http://schemas.microsoft.com/office/drawing/2014/main" id="{CC9F845A-93E8-4B2B-ADEF-BED8801FF075}"/>
+              </a:ext>
+            </a:extLst>
+          </p:cNvPr>
+          <p:cNvSpPr txBox="1">
+            <a:spLocks/>
+          </p:cNvSpPr>
+          <p:nvPr/>
+        </p:nvSpPr>
+        <p:spPr>
+          <a:xfrm>
+            <a:off x="749614" y="1132787"/>
+            <a:ext cx="9212361" cy="2296214"/>
+          </a:xfrm>
+          <a:prstGeom prst="rect">
+            <a:avLst/>
+          </a:prstGeom>
+          <a:effectLst/>
+        </p:spPr>
+        <p:txBody>
+          <a:bodyPr vert="horz" lIns="91440" tIns="45720" rIns="91440" bIns="45720" rtlCol="0" anchor="b">
+            <a:normAutofit/>
+          </a:bodyPr>
+          <a:lstStyle>
+            <a:lvl1pPr algn="l" defTabSz="457200" rtl="0" eaLnBrk="1" latinLnBrk="0" hangingPunct="1">
+              <a:spcBef>
+                <a:spcPct val="0"/>
+              </a:spcBef>
+              <a:buNone/>
+              <a:defRPr sz="3200" b="0" kern="1200" cap="all">
+                <a:ln w="3175" cmpd="sng">
+                  <a:noFill/>
+                </a:ln>
+                <a:solidFill>
+                  <a:schemeClr val="tx1"/>
+                </a:solidFill>
+                <a:effectLst/>
+                <a:latin typeface="+mj-lt"/>
+                <a:ea typeface="+mj-ea"/>
+                <a:cs typeface="+mj-cs"/>
+              </a:defRPr>
+            </a:lvl1pPr>
+            <a:lvl2pPr eaLnBrk="1" hangingPunct="1">
+              <a:defRPr>
+                <a:solidFill>
+                  <a:schemeClr val="tx2"/>
+                </a:solidFill>
+              </a:defRPr>
+            </a:lvl2pPr>
+            <a:lvl3pPr eaLnBrk="1" hangingPunct="1">
+              <a:defRPr>
+                <a:solidFill>
+                  <a:schemeClr val="tx2"/>
+                </a:solidFill>
+              </a:defRPr>
+            </a:lvl3pPr>
+            <a:lvl4pPr eaLnBrk="1" hangingPunct="1">
+              <a:defRPr>
+                <a:solidFill>
+                  <a:schemeClr val="tx2"/>
+                </a:solidFill>
+              </a:defRPr>
+            </a:lvl4pPr>
+            <a:lvl5pPr eaLnBrk="1" hangingPunct="1">
+              <a:defRPr>
+                <a:solidFill>
+                  <a:schemeClr val="tx2"/>
+                </a:solidFill>
+              </a:defRPr>
+            </a:lvl5pPr>
+            <a:lvl6pPr eaLnBrk="1" hangingPunct="1">
+              <a:defRPr>
+                <a:solidFill>
+                  <a:schemeClr val="tx2"/>
+                </a:solidFill>
+              </a:defRPr>
+            </a:lvl6pPr>
+            <a:lvl7pPr eaLnBrk="1" hangingPunct="1">
+              <a:defRPr>
+                <a:solidFill>
+                  <a:schemeClr val="tx2"/>
+                </a:solidFill>
+              </a:defRPr>
+            </a:lvl7pPr>
+            <a:lvl8pPr eaLnBrk="1" hangingPunct="1">
+              <a:defRPr>
+                <a:solidFill>
+                  <a:schemeClr val="tx2"/>
+                </a:solidFill>
+              </a:defRPr>
+            </a:lvl8pPr>
+            <a:lvl9pPr eaLnBrk="1" hangingPunct="1">
+              <a:defRPr>
+                <a:solidFill>
+                  <a:schemeClr val="tx2"/>
+                </a:solidFill>
+              </a:defRPr>
+            </a:lvl9pPr>
+          </a:lstStyle>
+          <a:p>
+            <a:r>
+              <a:rPr lang="de-DE" cap="none" dirty="0"/>
+              <a:t>Hauptaugenmerk:</a:t>
+            </a:r>
+          </a:p>
+          <a:p>
+            <a:endParaRPr lang="de-DE" cap="none" dirty="0"/>
+          </a:p>
+          <a:p>
+            <a:pPr marL="457200" indent="-457200">
+              <a:buFont typeface="Arial" panose="020B0604020202020204" pitchFamily="34" charset="0"/>
+              <a:buChar char="•"/>
+            </a:pPr>
+            <a:r>
+              <a:rPr lang="de-DE" cap="none" dirty="0"/>
+              <a:t>Usability (einfache Bedienbarkeit)</a:t>
+            </a:r>
+          </a:p>
+          <a:p>
+            <a:pPr marL="457200" indent="-457200">
+              <a:buFont typeface="Arial" panose="020B0604020202020204" pitchFamily="34" charset="0"/>
+              <a:buChar char="•"/>
+            </a:pPr>
+            <a:r>
+              <a:rPr lang="de-DE" cap="none" dirty="0"/>
+              <a:t>Look &amp; </a:t>
+            </a:r>
+            <a:r>
+              <a:rPr lang="de-DE" cap="none" dirty="0" err="1"/>
+              <a:t>Feel</a:t>
+            </a:r>
+            <a:endParaRPr lang="de-DE" cap="none" dirty="0"/>
+          </a:p>
+        </p:txBody>
+      </p:sp>
+    </p:spTree>
+    <p:extLst>
+      <p:ext uri="{BB962C8B-B14F-4D97-AF65-F5344CB8AC3E}">
+        <p14:creationId xmlns:p14="http://schemas.microsoft.com/office/powerpoint/2010/main" val="1795233669"/>
+      </p:ext>
+    </p:extLst>
+  </p:cSld>
+  <p:clrMapOvr>
+    <a:masterClrMapping/>
+  </p:clrMapOvr>
+</p:sld>
+</file>
+
+<file path=ppt/slides/slide4.xml><?xml version="1.0" encoding="utf-8"?>
+<p:sld xmlns:a="http://schemas.openxmlformats.org/drawingml/2006/main" xmlns:r="http://schemas.openxmlformats.org/officeDocument/2006/relationships" xmlns:p="http://schemas.openxmlformats.org/presentationml/2006/main">
+  <p:cSld>
+    <p:spTree>
+      <p:nvGrpSpPr>
+        <p:cNvPr id="1" name=""/>
+        <p:cNvGrpSpPr/>
+        <p:nvPr/>
+      </p:nvGrpSpPr>
+      <p:grpSpPr>
+        <a:xfrm>
+          <a:off x="0" y="0"/>
+          <a:ext cx="0" cy="0"/>
+          <a:chOff x="0" y="0"/>
+          <a:chExt cx="0" cy="0"/>
+        </a:xfrm>
+      </p:grpSpPr>
+      <p:sp>
+        <p:nvSpPr>
+          <p:cNvPr id="2" name="Fußzeilenplatzhalter 1">
+            <a:extLst>
+              <a:ext uri="{FF2B5EF4-FFF2-40B4-BE49-F238E27FC236}">
+                <a16:creationId xmlns:a16="http://schemas.microsoft.com/office/drawing/2014/main" id="{E7E1272E-DBA6-4C09-A303-DD0B15BECA8F}"/>
+              </a:ext>
+            </a:extLst>
+          </p:cNvPr>
+          <p:cNvSpPr>
+            <a:spLocks noGrp="1"/>
+          </p:cNvSpPr>
+          <p:nvPr>
+            <p:ph type="ftr" sz="quarter" idx="11"/>
+          </p:nvPr>
+        </p:nvSpPr>
+        <p:spPr/>
+        <p:txBody>
+          <a:bodyPr/>
+          <a:lstStyle/>
+          <a:p>
+            <a:r>
+              <a:rPr lang="en-US"/>
+              <a:t>KA-Share</a:t>
+            </a:r>
+            <a:endParaRPr lang="en-US" dirty="0"/>
+          </a:p>
+        </p:txBody>
+      </p:sp>
+      <p:sp>
+        <p:nvSpPr>
+          <p:cNvPr id="3" name="Datumsplatzhalter 2">
+            <a:extLst>
+              <a:ext uri="{FF2B5EF4-FFF2-40B4-BE49-F238E27FC236}">
+                <a16:creationId xmlns:a16="http://schemas.microsoft.com/office/drawing/2014/main" id="{2DFD3153-86A9-4D4B-A1DF-7A2F6F0BA133}"/>
+              </a:ext>
+            </a:extLst>
+          </p:cNvPr>
+          <p:cNvSpPr>
+            <a:spLocks noGrp="1"/>
+          </p:cNvSpPr>
+          <p:nvPr>
+            <p:ph type="dt" sz="half" idx="10"/>
+          </p:nvPr>
+        </p:nvSpPr>
+        <p:spPr/>
+        <p:txBody>
+          <a:bodyPr/>
+          <a:lstStyle/>
+          <a:p>
+            <a:r>
+              <a:rPr lang="de-DE" dirty="0"/>
+              <a:t>18.03.2019</a:t>
+            </a:r>
+            <a:endParaRPr lang="en-US" dirty="0"/>
+          </a:p>
+        </p:txBody>
+      </p:sp>
+      <p:pic>
+        <p:nvPicPr>
+          <p:cNvPr id="6" name="Grafik 5" descr="Auto">
+            <a:extLst>
+              <a:ext uri="{FF2B5EF4-FFF2-40B4-BE49-F238E27FC236}">
+                <a16:creationId xmlns:a16="http://schemas.microsoft.com/office/drawing/2014/main" id="{BB1CAF7E-22C8-4388-9AE5-9DB1D0690E8D}"/>
+              </a:ext>
+            </a:extLst>
+          </p:cNvPr>
+          <p:cNvPicPr>
+            <a:picLocks noChangeAspect="1"/>
+          </p:cNvPicPr>
+          <p:nvPr/>
+        </p:nvPicPr>
+        <p:blipFill>
+          <a:blip r:embed="rId2">
+            <a:extLst>
+              <a:ext uri="{96DAC541-7B7A-43D3-8B79-37D633B846F1}">
+                <asvg:svgBlip xmlns:asvg="http://schemas.microsoft.com/office/drawing/2016/SVG/main" r:embed="rId3"/>
+              </a:ext>
+            </a:extLst>
+          </a:blip>
+          <a:stretch>
+            <a:fillRect/>
+          </a:stretch>
+        </p:blipFill>
+        <p:spPr>
+          <a:xfrm rot="18952507">
+            <a:off x="10890173" y="2415118"/>
+            <a:ext cx="1228875" cy="1228875"/>
+          </a:xfrm>
+          <a:prstGeom prst="rect">
+            <a:avLst/>
+          </a:prstGeom>
+        </p:spPr>
+      </p:pic>
+      <p:sp>
+        <p:nvSpPr>
+          <p:cNvPr id="7" name="Foliennummernplatzhalter 6">
+            <a:extLst>
+              <a:ext uri="{FF2B5EF4-FFF2-40B4-BE49-F238E27FC236}">
+                <a16:creationId xmlns:a16="http://schemas.microsoft.com/office/drawing/2014/main" id="{34ED39B3-FC6D-4359-BCAC-59F383486987}"/>
+              </a:ext>
+            </a:extLst>
+          </p:cNvPr>
+          <p:cNvSpPr>
+            <a:spLocks noGrp="1"/>
+          </p:cNvSpPr>
+          <p:nvPr>
+            <p:ph type="sldNum" sz="quarter" idx="12"/>
+          </p:nvPr>
+        </p:nvSpPr>
+        <p:spPr/>
+        <p:txBody>
+          <a:bodyPr/>
+          <a:lstStyle/>
+          <a:p>
+            <a:fld id="{D57F1E4F-1CFF-5643-939E-217C01CDF565}" type="slidenum">
+              <a:rPr lang="en-US" smtClean="0"/>
+              <a:pPr/>
+              <a:t>4</a:t>
+            </a:fld>
+            <a:endParaRPr lang="en-US" dirty="0"/>
+          </a:p>
+        </p:txBody>
+      </p:sp>
+      <p:pic>
+        <p:nvPicPr>
+          <p:cNvPr id="14" name="Grafik 13" descr="Ein Bild, das Screenshot enthält.&#10;&#10;Automatisch generierte Beschreibung">
+            <a:extLst>
+              <a:ext uri="{FF2B5EF4-FFF2-40B4-BE49-F238E27FC236}">
+                <a16:creationId xmlns:a16="http://schemas.microsoft.com/office/drawing/2014/main" id="{A53478C3-A282-42C8-BA55-0F3DEC55B4E1}"/>
+              </a:ext>
+            </a:extLst>
+          </p:cNvPr>
+          <p:cNvPicPr>
+            <a:picLocks noChangeAspect="1"/>
+          </p:cNvPicPr>
+          <p:nvPr/>
+        </p:nvPicPr>
+        <p:blipFill rotWithShape="1">
+          <a:blip r:embed="rId4"/>
+          <a:srcRect l="2658" t="1484" r="3269" b="2183"/>
+          <a:stretch/>
+        </p:blipFill>
+        <p:spPr>
+          <a:xfrm>
+            <a:off x="2257992" y="185457"/>
+            <a:ext cx="6531427" cy="6351868"/>
+          </a:xfrm>
+          <a:prstGeom prst="rect">
+            <a:avLst/>
+          </a:prstGeom>
+        </p:spPr>
+      </p:pic>
+    </p:spTree>
+    <p:extLst>
+      <p:ext uri="{BB962C8B-B14F-4D97-AF65-F5344CB8AC3E}">
+        <p14:creationId xmlns:p14="http://schemas.microsoft.com/office/powerpoint/2010/main" val="2507682026"/>
+      </p:ext>
+    </p:extLst>
+  </p:cSld>
+  <p:clrMapOvr>
+    <a:masterClrMapping/>
+  </p:clrMapOvr>
+</p:sld>
+</file>
+
+<file path=ppt/slides/slide5.xml><?xml version="1.0" encoding="utf-8"?>
+<p:sld xmlns:a="http://schemas.openxmlformats.org/drawingml/2006/main" xmlns:r="http://schemas.openxmlformats.org/officeDocument/2006/relationships" xmlns:p="http://schemas.openxmlformats.org/presentationml/2006/main">
+  <p:cSld>
+    <p:spTree>
+      <p:nvGrpSpPr>
+        <p:cNvPr id="1" name=""/>
+        <p:cNvGrpSpPr/>
+        <p:nvPr/>
+      </p:nvGrpSpPr>
+      <p:grpSpPr>
+        <a:xfrm>
+          <a:off x="0" y="0"/>
+          <a:ext cx="0" cy="0"/>
+          <a:chOff x="0" y="0"/>
+          <a:chExt cx="0" cy="0"/>
+        </a:xfrm>
+      </p:grpSpPr>
+      <p:sp>
+        <p:nvSpPr>
+          <p:cNvPr id="2" name="Fußzeilenplatzhalter 1">
+            <a:extLst>
+              <a:ext uri="{FF2B5EF4-FFF2-40B4-BE49-F238E27FC236}">
+                <a16:creationId xmlns:a16="http://schemas.microsoft.com/office/drawing/2014/main" id="{E7E1272E-DBA6-4C09-A303-DD0B15BECA8F}"/>
+              </a:ext>
+            </a:extLst>
+          </p:cNvPr>
+          <p:cNvSpPr>
+            <a:spLocks noGrp="1"/>
+          </p:cNvSpPr>
+          <p:nvPr>
+            <p:ph type="ftr" sz="quarter" idx="11"/>
+          </p:nvPr>
+        </p:nvSpPr>
+        <p:spPr/>
+        <p:txBody>
+          <a:bodyPr/>
+          <a:lstStyle/>
+          <a:p>
+            <a:r>
+              <a:rPr lang="en-US"/>
+              <a:t>KA-Share</a:t>
+            </a:r>
+            <a:endParaRPr lang="en-US" dirty="0"/>
+          </a:p>
+        </p:txBody>
+      </p:sp>
+      <p:sp>
+        <p:nvSpPr>
+          <p:cNvPr id="3" name="Datumsplatzhalter 2">
+            <a:extLst>
+              <a:ext uri="{FF2B5EF4-FFF2-40B4-BE49-F238E27FC236}">
+                <a16:creationId xmlns:a16="http://schemas.microsoft.com/office/drawing/2014/main" id="{2DFD3153-86A9-4D4B-A1DF-7A2F6F0BA133}"/>
+              </a:ext>
+            </a:extLst>
+          </p:cNvPr>
+          <p:cNvSpPr>
+            <a:spLocks noGrp="1"/>
+          </p:cNvSpPr>
+          <p:nvPr>
+            <p:ph type="dt" sz="half" idx="10"/>
+          </p:nvPr>
+        </p:nvSpPr>
+        <p:spPr/>
+        <p:txBody>
+          <a:bodyPr/>
+          <a:lstStyle/>
+          <a:p>
+            <a:r>
+              <a:rPr lang="de-DE" dirty="0"/>
+              <a:t>18.03.2019</a:t>
+            </a:r>
+            <a:endParaRPr lang="en-US" dirty="0"/>
+          </a:p>
+        </p:txBody>
+      </p:sp>
+      <p:pic>
+        <p:nvPicPr>
+          <p:cNvPr id="6" name="Grafik 5" descr="Auto">
+            <a:extLst>
+              <a:ext uri="{FF2B5EF4-FFF2-40B4-BE49-F238E27FC236}">
+                <a16:creationId xmlns:a16="http://schemas.microsoft.com/office/drawing/2014/main" id="{BB1CAF7E-22C8-4388-9AE5-9DB1D0690E8D}"/>
+              </a:ext>
+            </a:extLst>
+          </p:cNvPr>
+          <p:cNvPicPr>
+            <a:picLocks noChangeAspect="1"/>
+          </p:cNvPicPr>
+          <p:nvPr/>
+        </p:nvPicPr>
+        <p:blipFill>
+          <a:blip r:embed="rId2">
+            <a:extLst>
+              <a:ext uri="{96DAC541-7B7A-43D3-8B79-37D633B846F1}">
+                <asvg:svgBlip xmlns:asvg="http://schemas.microsoft.com/office/drawing/2016/SVG/main" r:embed="rId3"/>
+              </a:ext>
+            </a:extLst>
+          </a:blip>
+          <a:stretch>
+            <a:fillRect/>
+          </a:stretch>
+        </p:blipFill>
+        <p:spPr>
+          <a:xfrm rot="18952507">
+            <a:off x="10890173" y="2415118"/>
+            <a:ext cx="1228875" cy="1228875"/>
+          </a:xfrm>
+          <a:prstGeom prst="rect">
+            <a:avLst/>
+          </a:prstGeom>
+        </p:spPr>
+      </p:pic>
+      <p:sp>
+        <p:nvSpPr>
+          <p:cNvPr id="7" name="Foliennummernplatzhalter 6">
+            <a:extLst>
+              <a:ext uri="{FF2B5EF4-FFF2-40B4-BE49-F238E27FC236}">
+                <a16:creationId xmlns:a16="http://schemas.microsoft.com/office/drawing/2014/main" id="{34ED39B3-FC6D-4359-BCAC-59F383486987}"/>
+              </a:ext>
+            </a:extLst>
+          </p:cNvPr>
+          <p:cNvSpPr>
+            <a:spLocks noGrp="1"/>
+          </p:cNvSpPr>
+          <p:nvPr>
+            <p:ph type="sldNum" sz="quarter" idx="12"/>
+          </p:nvPr>
+        </p:nvSpPr>
+        <p:spPr/>
+        <p:txBody>
+          <a:bodyPr/>
+          <a:lstStyle/>
+          <a:p>
+            <a:fld id="{D57F1E4F-1CFF-5643-939E-217C01CDF565}" type="slidenum">
+              <a:rPr lang="en-US" smtClean="0"/>
+              <a:pPr/>
+              <a:t>5</a:t>
+            </a:fld>
+            <a:endParaRPr lang="en-US" dirty="0"/>
+          </a:p>
+        </p:txBody>
+      </p:sp>
+      <p:pic>
+        <p:nvPicPr>
+          <p:cNvPr id="5" name="Grafik 4" descr="Ein Bild, das Screenshot enthält.&#10;&#10;Automatisch generierte Beschreibung">
+            <a:extLst>
+              <a:ext uri="{FF2B5EF4-FFF2-40B4-BE49-F238E27FC236}">
+                <a16:creationId xmlns:a16="http://schemas.microsoft.com/office/drawing/2014/main" id="{DCAC21EE-AB99-4EBA-8E2F-8037B701F4A7}"/>
+              </a:ext>
+            </a:extLst>
+          </p:cNvPr>
+          <p:cNvPicPr>
+            <a:picLocks noChangeAspect="1"/>
+          </p:cNvPicPr>
+          <p:nvPr/>
+        </p:nvPicPr>
+        <p:blipFill rotWithShape="1">
+          <a:blip r:embed="rId4"/>
+          <a:srcRect l="27455" t="1270" r="29420"/>
+          <a:stretch/>
+        </p:blipFill>
+        <p:spPr>
+          <a:xfrm>
+            <a:off x="2696086" y="192235"/>
+            <a:ext cx="5655240" cy="6473530"/>
+          </a:xfrm>
+          <a:prstGeom prst="rect">
+            <a:avLst/>
+          </a:prstGeom>
+        </p:spPr>
+      </p:pic>
+    </p:spTree>
+    <p:extLst>
+      <p:ext uri="{BB962C8B-B14F-4D97-AF65-F5344CB8AC3E}">
+        <p14:creationId xmlns:p14="http://schemas.microsoft.com/office/powerpoint/2010/main" val="3073218577"/>
+      </p:ext>
+    </p:extLst>
+  </p:cSld>
+  <p:clrMapOvr>
+    <a:masterClrMapping/>
+  </p:clrMapOvr>
+</p:sld>
+</file>
+
+<file path=ppt/slides/slide6.xml><?xml version="1.0" encoding="utf-8"?>
+<p:sld xmlns:a="http://schemas.openxmlformats.org/drawingml/2006/main" xmlns:r="http://schemas.openxmlformats.org/officeDocument/2006/relationships" xmlns:p="http://schemas.openxmlformats.org/presentationml/2006/main">
+  <p:cSld>
+    <p:spTree>
+      <p:nvGrpSpPr>
+        <p:cNvPr id="1" name=""/>
+        <p:cNvGrpSpPr/>
+        <p:nvPr/>
+      </p:nvGrpSpPr>
+      <p:grpSpPr>
+        <a:xfrm>
+          <a:off x="0" y="0"/>
+          <a:ext cx="0" cy="0"/>
+          <a:chOff x="0" y="0"/>
+          <a:chExt cx="0" cy="0"/>
+        </a:xfrm>
+      </p:grpSpPr>
+      <p:sp>
+        <p:nvSpPr>
+          <p:cNvPr id="2" name="Fußzeilenplatzhalter 1">
+            <a:extLst>
+              <a:ext uri="{FF2B5EF4-FFF2-40B4-BE49-F238E27FC236}">
+                <a16:creationId xmlns:a16="http://schemas.microsoft.com/office/drawing/2014/main" id="{E7E1272E-DBA6-4C09-A303-DD0B15BECA8F}"/>
+              </a:ext>
+            </a:extLst>
+          </p:cNvPr>
+          <p:cNvSpPr>
+            <a:spLocks noGrp="1"/>
+          </p:cNvSpPr>
+          <p:nvPr>
+            <p:ph type="ftr" sz="quarter" idx="11"/>
+          </p:nvPr>
+        </p:nvSpPr>
+        <p:spPr/>
+        <p:txBody>
+          <a:bodyPr/>
+          <a:lstStyle/>
+          <a:p>
+            <a:r>
+              <a:rPr lang="en-US"/>
+              <a:t>KA-Share</a:t>
+            </a:r>
+            <a:endParaRPr lang="en-US" dirty="0"/>
+          </a:p>
+        </p:txBody>
+      </p:sp>
+      <p:sp>
+        <p:nvSpPr>
+          <p:cNvPr id="3" name="Datumsplatzhalter 2">
+            <a:extLst>
+              <a:ext uri="{FF2B5EF4-FFF2-40B4-BE49-F238E27FC236}">
+                <a16:creationId xmlns:a16="http://schemas.microsoft.com/office/drawing/2014/main" id="{2DFD3153-86A9-4D4B-A1DF-7A2F6F0BA133}"/>
+              </a:ext>
+            </a:extLst>
+          </p:cNvPr>
+          <p:cNvSpPr>
+            <a:spLocks noGrp="1"/>
+          </p:cNvSpPr>
+          <p:nvPr>
+            <p:ph type="dt" sz="half" idx="10"/>
+          </p:nvPr>
+        </p:nvSpPr>
+        <p:spPr/>
+        <p:txBody>
+          <a:bodyPr/>
+          <a:lstStyle/>
+          <a:p>
+            <a:r>
+              <a:rPr lang="de-DE" dirty="0"/>
+              <a:t>18.03.2019</a:t>
+            </a:r>
+            <a:endParaRPr lang="en-US" dirty="0"/>
+          </a:p>
+        </p:txBody>
+      </p:sp>
+      <p:pic>
+        <p:nvPicPr>
+          <p:cNvPr id="6" name="Grafik 5" descr="Auto">
+            <a:extLst>
+              <a:ext uri="{FF2B5EF4-FFF2-40B4-BE49-F238E27FC236}">
+                <a16:creationId xmlns:a16="http://schemas.microsoft.com/office/drawing/2014/main" id="{BB1CAF7E-22C8-4388-9AE5-9DB1D0690E8D}"/>
+              </a:ext>
+            </a:extLst>
+          </p:cNvPr>
+          <p:cNvPicPr>
+            <a:picLocks noChangeAspect="1"/>
+          </p:cNvPicPr>
+          <p:nvPr/>
+        </p:nvPicPr>
+        <p:blipFill>
+          <a:blip r:embed="rId2">
+            <a:extLst>
+              <a:ext uri="{96DAC541-7B7A-43D3-8B79-37D633B846F1}">
+                <asvg:svgBlip xmlns:asvg="http://schemas.microsoft.com/office/drawing/2016/SVG/main" r:embed="rId3"/>
+              </a:ext>
+            </a:extLst>
+          </a:blip>
+          <a:stretch>
+            <a:fillRect/>
+          </a:stretch>
+        </p:blipFill>
+        <p:spPr>
+          <a:xfrm rot="18952507">
+            <a:off x="10890173" y="2415118"/>
+            <a:ext cx="1228875" cy="1228875"/>
+          </a:xfrm>
+          <a:prstGeom prst="rect">
+            <a:avLst/>
+          </a:prstGeom>
+        </p:spPr>
+      </p:pic>
+      <p:sp>
+        <p:nvSpPr>
+          <p:cNvPr id="7" name="Foliennummernplatzhalter 6">
+            <a:extLst>
+              <a:ext uri="{FF2B5EF4-FFF2-40B4-BE49-F238E27FC236}">
+                <a16:creationId xmlns:a16="http://schemas.microsoft.com/office/drawing/2014/main" id="{34ED39B3-FC6D-4359-BCAC-59F383486987}"/>
+              </a:ext>
+            </a:extLst>
+          </p:cNvPr>
+          <p:cNvSpPr>
+            <a:spLocks noGrp="1"/>
+          </p:cNvSpPr>
+          <p:nvPr>
+            <p:ph type="sldNum" sz="quarter" idx="12"/>
+          </p:nvPr>
+        </p:nvSpPr>
+        <p:spPr/>
+        <p:txBody>
+          <a:bodyPr/>
+          <a:lstStyle/>
+          <a:p>
+            <a:fld id="{D57F1E4F-1CFF-5643-939E-217C01CDF565}" type="slidenum">
+              <a:rPr lang="en-US" smtClean="0"/>
+              <a:pPr/>
+              <a:t>6</a:t>
+            </a:fld>
+            <a:endParaRPr lang="en-US" dirty="0"/>
+          </a:p>
+        </p:txBody>
+      </p:sp>
+      <p:pic>
+        <p:nvPicPr>
+          <p:cNvPr id="5" name="Grafik 4">
+            <a:extLst>
+              <a:ext uri="{FF2B5EF4-FFF2-40B4-BE49-F238E27FC236}">
+                <a16:creationId xmlns:a16="http://schemas.microsoft.com/office/drawing/2014/main" id="{0BD3B5C6-9EDC-4C8A-83B0-3313CFE7C104}"/>
+              </a:ext>
+            </a:extLst>
+          </p:cNvPr>
+          <p:cNvPicPr>
+            <a:picLocks noChangeAspect="1"/>
+          </p:cNvPicPr>
+          <p:nvPr/>
+        </p:nvPicPr>
+        <p:blipFill rotWithShape="1">
+          <a:blip r:embed="rId4"/>
+          <a:srcRect l="31741" r="33304" b="19498"/>
+          <a:stretch/>
+        </p:blipFill>
+        <p:spPr>
+          <a:xfrm>
+            <a:off x="2729222" y="153595"/>
+            <a:ext cx="5688909" cy="6550809"/>
+          </a:xfrm>
+          <a:prstGeom prst="rect">
+            <a:avLst/>
+          </a:prstGeom>
+        </p:spPr>
+      </p:pic>
+    </p:spTree>
+    <p:extLst>
+      <p:ext uri="{BB962C8B-B14F-4D97-AF65-F5344CB8AC3E}">
+        <p14:creationId xmlns:p14="http://schemas.microsoft.com/office/powerpoint/2010/main" val="841117000"/>
       </p:ext>
     </p:extLst>
   </p:cSld>

--- a/Präsentation/Statuspräsentation2.pptx
+++ b/Präsentation/Statuspräsentation2.pptx
@@ -5,15 +5,16 @@
     <p:sldMasterId id="2147483648" r:id="rId1"/>
   </p:sldMasterIdLst>
   <p:notesMasterIdLst>
-    <p:notesMasterId r:id="rId8"/>
+    <p:notesMasterId r:id="rId9"/>
   </p:notesMasterIdLst>
   <p:sldIdLst>
     <p:sldId id="256" r:id="rId2"/>
-    <p:sldId id="260" r:id="rId3"/>
-    <p:sldId id="258" r:id="rId4"/>
-    <p:sldId id="261" r:id="rId5"/>
-    <p:sldId id="262" r:id="rId6"/>
-    <p:sldId id="263" r:id="rId7"/>
+    <p:sldId id="257" r:id="rId3"/>
+    <p:sldId id="260" r:id="rId4"/>
+    <p:sldId id="258" r:id="rId5"/>
+    <p:sldId id="261" r:id="rId6"/>
+    <p:sldId id="262" r:id="rId7"/>
+    <p:sldId id="263" r:id="rId8"/>
   </p:sldIdLst>
   <p:sldSz cx="12192000" cy="6858000"/>
   <p:notesSz cx="6858000" cy="9144000"/>
@@ -513,16 +514,7 @@
           <a:bodyPr/>
           <a:lstStyle/>
           <a:p>
-            <a:r>
-              <a:rPr lang="de-DE" dirty="0"/>
-              <a:t>Sprint 1: soll 11.03, tatsächliche Fertigstellung 17.03</a:t>
-            </a:r>
-          </a:p>
-          <a:p>
-            <a:r>
-              <a:rPr lang="de-DE" dirty="0"/>
-              <a:t>Sprint 2: geplante Fertigstellung 19.03</a:t>
-            </a:r>
+            <a:endParaRPr lang="de-DE" dirty="0"/>
           </a:p>
         </p:txBody>
       </p:sp>
@@ -544,6 +536,99 @@
             <a:fld id="{7D3A23EE-73BF-44EE-AD97-BE4BD81AF0CF}" type="slidenum">
               <a:rPr lang="de-DE" smtClean="0"/>
               <a:t>2</a:t>
+            </a:fld>
+            <a:endParaRPr lang="de-DE"/>
+          </a:p>
+        </p:txBody>
+      </p:sp>
+    </p:spTree>
+    <p:extLst>
+      <p:ext uri="{BB962C8B-B14F-4D97-AF65-F5344CB8AC3E}">
+        <p14:creationId xmlns:p14="http://schemas.microsoft.com/office/powerpoint/2010/main" val="104638545"/>
+      </p:ext>
+    </p:extLst>
+  </p:cSld>
+  <p:clrMapOvr>
+    <a:masterClrMapping/>
+  </p:clrMapOvr>
+</p:notes>
+</file>
+
+<file path=ppt/notesSlides/notesSlide2.xml><?xml version="1.0" encoding="utf-8"?>
+<p:notes xmlns:a="http://schemas.openxmlformats.org/drawingml/2006/main" xmlns:r="http://schemas.openxmlformats.org/officeDocument/2006/relationships" xmlns:p="http://schemas.openxmlformats.org/presentationml/2006/main">
+  <p:cSld>
+    <p:spTree>
+      <p:nvGrpSpPr>
+        <p:cNvPr id="1" name=""/>
+        <p:cNvGrpSpPr/>
+        <p:nvPr/>
+      </p:nvGrpSpPr>
+      <p:grpSpPr>
+        <a:xfrm>
+          <a:off x="0" y="0"/>
+          <a:ext cx="0" cy="0"/>
+          <a:chOff x="0" y="0"/>
+          <a:chExt cx="0" cy="0"/>
+        </a:xfrm>
+      </p:grpSpPr>
+      <p:sp>
+        <p:nvSpPr>
+          <p:cNvPr id="2" name="Folienbildplatzhalter 1"/>
+          <p:cNvSpPr>
+            <a:spLocks noGrp="1" noRot="1" noChangeAspect="1"/>
+          </p:cNvSpPr>
+          <p:nvPr>
+            <p:ph type="sldImg"/>
+          </p:nvPr>
+        </p:nvSpPr>
+        <p:spPr/>
+      </p:sp>
+      <p:sp>
+        <p:nvSpPr>
+          <p:cNvPr id="3" name="Notizenplatzhalter 2"/>
+          <p:cNvSpPr>
+            <a:spLocks noGrp="1"/>
+          </p:cNvSpPr>
+          <p:nvPr>
+            <p:ph type="body" idx="1"/>
+          </p:nvPr>
+        </p:nvSpPr>
+        <p:spPr/>
+        <p:txBody>
+          <a:bodyPr/>
+          <a:lstStyle/>
+          <a:p>
+            <a:r>
+              <a:rPr lang="de-DE" dirty="0"/>
+              <a:t>Sprint 1: soll 11.03, tatsächliche Fertigstellung 17.03</a:t>
+            </a:r>
+          </a:p>
+          <a:p>
+            <a:r>
+              <a:rPr lang="de-DE" dirty="0"/>
+              <a:t>Sprint 2: geplante Fertigstellung 19.03</a:t>
+            </a:r>
+          </a:p>
+        </p:txBody>
+      </p:sp>
+      <p:sp>
+        <p:nvSpPr>
+          <p:cNvPr id="4" name="Foliennummernplatzhalter 3"/>
+          <p:cNvSpPr>
+            <a:spLocks noGrp="1"/>
+          </p:cNvSpPr>
+          <p:nvPr>
+            <p:ph type="sldNum" sz="quarter" idx="5"/>
+          </p:nvPr>
+        </p:nvSpPr>
+        <p:spPr/>
+        <p:txBody>
+          <a:bodyPr/>
+          <a:lstStyle/>
+          <a:p>
+            <a:fld id="{7D3A23EE-73BF-44EE-AD97-BE4BD81AF0CF}" type="slidenum">
+              <a:rPr lang="de-DE" smtClean="0"/>
+              <a:t>3</a:t>
             </a:fld>
             <a:endParaRPr lang="de-DE"/>
           </a:p>
@@ -6230,6 +6315,298 @@
       </p:grpSpPr>
       <p:sp>
         <p:nvSpPr>
+          <p:cNvPr id="19" name="Titel 18">
+            <a:extLst>
+              <a:ext uri="{FF2B5EF4-FFF2-40B4-BE49-F238E27FC236}">
+                <a16:creationId xmlns:a16="http://schemas.microsoft.com/office/drawing/2014/main" id="{BEE5E614-1F9C-43EF-BC7E-11D9F2BB35A0}"/>
+              </a:ext>
+            </a:extLst>
+          </p:cNvPr>
+          <p:cNvSpPr>
+            <a:spLocks noGrp="1"/>
+          </p:cNvSpPr>
+          <p:nvPr>
+            <p:ph type="title"/>
+          </p:nvPr>
+        </p:nvSpPr>
+        <p:spPr/>
+        <p:txBody>
+          <a:bodyPr/>
+          <a:lstStyle/>
+          <a:p>
+            <a:r>
+              <a:rPr lang="de-DE" dirty="0"/>
+              <a:t>Agenda</a:t>
+            </a:r>
+          </a:p>
+        </p:txBody>
+      </p:sp>
+      <p:sp>
+        <p:nvSpPr>
+          <p:cNvPr id="20" name="Inhaltsplatzhalter 19">
+            <a:extLst>
+              <a:ext uri="{FF2B5EF4-FFF2-40B4-BE49-F238E27FC236}">
+                <a16:creationId xmlns:a16="http://schemas.microsoft.com/office/drawing/2014/main" id="{4D04D41A-0730-4AE9-8531-3CDF5D11F71D}"/>
+              </a:ext>
+            </a:extLst>
+          </p:cNvPr>
+          <p:cNvSpPr>
+            <a:spLocks noGrp="1"/>
+          </p:cNvSpPr>
+          <p:nvPr>
+            <p:ph idx="1"/>
+          </p:nvPr>
+        </p:nvSpPr>
+        <p:spPr/>
+        <p:txBody>
+          <a:bodyPr>
+            <a:normAutofit/>
+          </a:bodyPr>
+          <a:lstStyle/>
+          <a:p>
+            <a:r>
+              <a:rPr lang="de-DE" sz="1800" dirty="0">
+                <a:solidFill>
+                  <a:schemeClr val="tx1"/>
+                </a:solidFill>
+              </a:rPr>
+              <a:t>Projektstatus</a:t>
+            </a:r>
+          </a:p>
+          <a:p>
+            <a:endParaRPr lang="de-DE" dirty="0">
+              <a:solidFill>
+                <a:schemeClr val="tx1"/>
+              </a:solidFill>
+            </a:endParaRPr>
+          </a:p>
+          <a:p>
+            <a:r>
+              <a:rPr lang="de-DE" sz="1800" dirty="0">
+                <a:solidFill>
+                  <a:schemeClr val="tx1"/>
+                </a:solidFill>
+              </a:rPr>
+              <a:t>User Experience</a:t>
+            </a:r>
+          </a:p>
+          <a:p>
+            <a:endParaRPr lang="de-DE" sz="1800" dirty="0">
+              <a:solidFill>
+                <a:schemeClr val="tx1"/>
+              </a:solidFill>
+            </a:endParaRPr>
+          </a:p>
+          <a:p>
+            <a:r>
+              <a:rPr lang="de-DE" sz="1800" dirty="0">
+                <a:solidFill>
+                  <a:schemeClr val="tx1"/>
+                </a:solidFill>
+              </a:rPr>
+              <a:t>Prototyp</a:t>
+            </a:r>
+          </a:p>
+        </p:txBody>
+      </p:sp>
+      <p:sp>
+        <p:nvSpPr>
+          <p:cNvPr id="2" name="Datumsplatzhalter 1">
+            <a:extLst>
+              <a:ext uri="{FF2B5EF4-FFF2-40B4-BE49-F238E27FC236}">
+                <a16:creationId xmlns:a16="http://schemas.microsoft.com/office/drawing/2014/main" id="{B7F37089-E0D7-4721-9818-6F58D6F24ED4}"/>
+              </a:ext>
+            </a:extLst>
+          </p:cNvPr>
+          <p:cNvSpPr>
+            <a:spLocks noGrp="1"/>
+          </p:cNvSpPr>
+          <p:nvPr>
+            <p:ph type="dt" sz="half" idx="10"/>
+          </p:nvPr>
+        </p:nvSpPr>
+        <p:spPr/>
+        <p:txBody>
+          <a:bodyPr/>
+          <a:lstStyle/>
+          <a:p>
+            <a:r>
+              <a:rPr lang="de-DE" dirty="0"/>
+              <a:t>11.03.2019</a:t>
+            </a:r>
+            <a:endParaRPr lang="en-US" dirty="0"/>
+          </a:p>
+        </p:txBody>
+      </p:sp>
+      <p:sp>
+        <p:nvSpPr>
+          <p:cNvPr id="6" name="Fußzeilenplatzhalter 5">
+            <a:extLst>
+              <a:ext uri="{FF2B5EF4-FFF2-40B4-BE49-F238E27FC236}">
+                <a16:creationId xmlns:a16="http://schemas.microsoft.com/office/drawing/2014/main" id="{EEC4A702-6041-4042-9E95-76C25F4F7EE1}"/>
+              </a:ext>
+            </a:extLst>
+          </p:cNvPr>
+          <p:cNvSpPr>
+            <a:spLocks noGrp="1"/>
+          </p:cNvSpPr>
+          <p:nvPr>
+            <p:ph type="ftr" sz="quarter" idx="11"/>
+          </p:nvPr>
+        </p:nvSpPr>
+        <p:spPr/>
+        <p:txBody>
+          <a:bodyPr/>
+          <a:lstStyle/>
+          <a:p>
+            <a:r>
+              <a:rPr lang="en-US" dirty="0">
+                <a:solidFill>
+                  <a:schemeClr val="tx2">
+                    <a:lumMod val="20000"/>
+                    <a:lumOff val="80000"/>
+                  </a:schemeClr>
+                </a:solidFill>
+              </a:rPr>
+              <a:t>KA-Share</a:t>
+            </a:r>
+          </a:p>
+        </p:txBody>
+      </p:sp>
+      <p:sp>
+        <p:nvSpPr>
+          <p:cNvPr id="3" name="Foliennummernplatzhalter 2">
+            <a:extLst>
+              <a:ext uri="{FF2B5EF4-FFF2-40B4-BE49-F238E27FC236}">
+                <a16:creationId xmlns:a16="http://schemas.microsoft.com/office/drawing/2014/main" id="{D0BBF157-124A-4B08-AF72-A5EF9841D304}"/>
+              </a:ext>
+            </a:extLst>
+          </p:cNvPr>
+          <p:cNvSpPr>
+            <a:spLocks noGrp="1"/>
+          </p:cNvSpPr>
+          <p:nvPr>
+            <p:ph type="sldNum" sz="quarter" idx="12"/>
+          </p:nvPr>
+        </p:nvSpPr>
+        <p:spPr/>
+        <p:txBody>
+          <a:bodyPr/>
+          <a:lstStyle/>
+          <a:p>
+            <a:fld id="{D57F1E4F-1CFF-5643-939E-217C01CDF565}" type="slidenum">
+              <a:rPr lang="en-US" smtClean="0"/>
+              <a:pPr/>
+              <a:t>2</a:t>
+            </a:fld>
+            <a:endParaRPr lang="en-US" dirty="0"/>
+          </a:p>
+        </p:txBody>
+      </p:sp>
+      <p:pic>
+        <p:nvPicPr>
+          <p:cNvPr id="7" name="Grafik 6" descr="Auto">
+            <a:extLst>
+              <a:ext uri="{FF2B5EF4-FFF2-40B4-BE49-F238E27FC236}">
+                <a16:creationId xmlns:a16="http://schemas.microsoft.com/office/drawing/2014/main" id="{E22131F2-98A3-4859-A680-0372D9EDC374}"/>
+              </a:ext>
+            </a:extLst>
+          </p:cNvPr>
+          <p:cNvPicPr>
+            <a:picLocks noChangeAspect="1"/>
+          </p:cNvPicPr>
+          <p:nvPr/>
+        </p:nvPicPr>
+        <p:blipFill>
+          <a:blip r:embed="rId3">
+            <a:extLst>
+              <a:ext uri="{96DAC541-7B7A-43D3-8B79-37D633B846F1}">
+                <asvg:svgBlip xmlns:asvg="http://schemas.microsoft.com/office/drawing/2016/SVG/main" r:embed="rId4"/>
+              </a:ext>
+            </a:extLst>
+          </a:blip>
+          <a:stretch>
+            <a:fillRect/>
+          </a:stretch>
+        </p:blipFill>
+        <p:spPr>
+          <a:xfrm rot="18952507">
+            <a:off x="10617607" y="2747839"/>
+            <a:ext cx="1228875" cy="1228875"/>
+          </a:xfrm>
+          <a:prstGeom prst="rect">
+            <a:avLst/>
+          </a:prstGeom>
+        </p:spPr>
+      </p:pic>
+      <p:pic>
+        <p:nvPicPr>
+          <p:cNvPr id="22" name="Grafik 21" descr="Liste">
+            <a:extLst>
+              <a:ext uri="{FF2B5EF4-FFF2-40B4-BE49-F238E27FC236}">
+                <a16:creationId xmlns:a16="http://schemas.microsoft.com/office/drawing/2014/main" id="{89E9E0A9-CBF7-45A2-A1C5-4E5EBB31D5F8}"/>
+              </a:ext>
+            </a:extLst>
+          </p:cNvPr>
+          <p:cNvPicPr>
+            <a:picLocks noChangeAspect="1"/>
+          </p:cNvPicPr>
+          <p:nvPr/>
+        </p:nvPicPr>
+        <p:blipFill>
+          <a:blip r:embed="rId5">
+            <a:extLst>
+              <a:ext uri="{96DAC541-7B7A-43D3-8B79-37D633B846F1}">
+                <asvg:svgBlip xmlns:asvg="http://schemas.microsoft.com/office/drawing/2016/SVG/main" r:embed="rId6"/>
+              </a:ext>
+            </a:extLst>
+          </a:blip>
+          <a:stretch>
+            <a:fillRect/>
+          </a:stretch>
+        </p:blipFill>
+        <p:spPr>
+          <a:xfrm rot="1278003">
+            <a:off x="4336977" y="4626429"/>
+            <a:ext cx="1228869" cy="1228869"/>
+          </a:xfrm>
+          <a:prstGeom prst="rect">
+            <a:avLst/>
+          </a:prstGeom>
+        </p:spPr>
+      </p:pic>
+    </p:spTree>
+    <p:extLst>
+      <p:ext uri="{BB962C8B-B14F-4D97-AF65-F5344CB8AC3E}">
+        <p14:creationId xmlns:p14="http://schemas.microsoft.com/office/powerpoint/2010/main" val="2756352833"/>
+      </p:ext>
+    </p:extLst>
+  </p:cSld>
+  <p:clrMapOvr>
+    <a:masterClrMapping/>
+  </p:clrMapOvr>
+</p:sld>
+</file>
+
+<file path=ppt/slides/slide3.xml><?xml version="1.0" encoding="utf-8"?>
+<p:sld xmlns:a="http://schemas.openxmlformats.org/drawingml/2006/main" xmlns:r="http://schemas.openxmlformats.org/officeDocument/2006/relationships" xmlns:p="http://schemas.openxmlformats.org/presentationml/2006/main">
+  <p:cSld>
+    <p:spTree>
+      <p:nvGrpSpPr>
+        <p:cNvPr id="1" name=""/>
+        <p:cNvGrpSpPr/>
+        <p:nvPr/>
+      </p:nvGrpSpPr>
+      <p:grpSpPr>
+        <a:xfrm>
+          <a:off x="0" y="0"/>
+          <a:ext cx="0" cy="0"/>
+          <a:chOff x="0" y="0"/>
+          <a:chExt cx="0" cy="0"/>
+        </a:xfrm>
+      </p:grpSpPr>
+      <p:sp>
+        <p:nvSpPr>
           <p:cNvPr id="12" name="Rechteck 11">
             <a:extLst>
               <a:ext uri="{FF2B5EF4-FFF2-40B4-BE49-F238E27FC236}">
@@ -6567,6 +6944,22 @@
           <a:bodyPr/>
           <a:lstStyle/>
           <a:p>
+            <a:r>
+              <a:rPr lang="de-DE" b="1" dirty="0"/>
+              <a:t>Vincent Neuhoff / </a:t>
+            </a:r>
+            <a:r>
+              <a:rPr lang="de-DE" b="1" dirty="0" err="1"/>
+              <a:t>Product</a:t>
+            </a:r>
+            <a:r>
+              <a:rPr lang="de-DE" b="1" dirty="0"/>
+              <a:t> </a:t>
+            </a:r>
+            <a:r>
+              <a:rPr lang="de-DE" b="1" dirty="0" err="1"/>
+              <a:t>Owner</a:t>
+            </a:r>
             <a:endParaRPr lang="de-DE" b="1" dirty="0"/>
           </a:p>
         </p:txBody>
@@ -6689,7 +7082,7 @@
             <a:fld id="{D57F1E4F-1CFF-5643-939E-217C01CDF565}" type="slidenum">
               <a:rPr lang="en-US" smtClean="0"/>
               <a:pPr/>
-              <a:t>2</a:t>
+              <a:t>3</a:t>
             </a:fld>
             <a:endParaRPr lang="en-US" dirty="0"/>
           </a:p>
@@ -7709,7 +8102,7 @@
 </p:sld>
 </file>
 
-<file path=ppt/slides/slide3.xml><?xml version="1.0" encoding="utf-8"?>
+<file path=ppt/slides/slide4.xml><?xml version="1.0" encoding="utf-8"?>
 <p:sld xmlns:a="http://schemas.openxmlformats.org/drawingml/2006/main" xmlns:r="http://schemas.openxmlformats.org/officeDocument/2006/relationships" xmlns:p="http://schemas.openxmlformats.org/presentationml/2006/main">
   <p:cSld>
     <p:spTree>
@@ -7908,7 +8301,7 @@
             <a:fld id="{D57F1E4F-1CFF-5643-939E-217C01CDF565}" type="slidenum">
               <a:rPr lang="en-US" smtClean="0"/>
               <a:pPr/>
-              <a:t>3</a:t>
+              <a:t>4</a:t>
             </a:fld>
             <a:endParaRPr lang="en-US" dirty="0"/>
           </a:p>
@@ -8067,7 +8460,7 @@
 </p:sld>
 </file>
 
-<file path=ppt/slides/slide4.xml><?xml version="1.0" encoding="utf-8"?>
+<file path=ppt/slides/slide5.xml><?xml version="1.0" encoding="utf-8"?>
 <p:sld xmlns:a="http://schemas.openxmlformats.org/drawingml/2006/main" xmlns:r="http://schemas.openxmlformats.org/officeDocument/2006/relationships" xmlns:p="http://schemas.openxmlformats.org/presentationml/2006/main">
   <p:cSld>
     <p:spTree>
@@ -8202,7 +8595,7 @@
             <a:fld id="{D57F1E4F-1CFF-5643-939E-217C01CDF565}" type="slidenum">
               <a:rPr lang="en-US" smtClean="0"/>
               <a:pPr/>
-              <a:t>4</a:t>
+              <a:t>5</a:t>
             </a:fld>
             <a:endParaRPr lang="en-US" dirty="0"/>
           </a:p>
@@ -8250,7 +8643,7 @@
 </p:sld>
 </file>
 
-<file path=ppt/slides/slide5.xml><?xml version="1.0" encoding="utf-8"?>
+<file path=ppt/slides/slide6.xml><?xml version="1.0" encoding="utf-8"?>
 <p:sld xmlns:a="http://schemas.openxmlformats.org/drawingml/2006/main" xmlns:r="http://schemas.openxmlformats.org/officeDocument/2006/relationships" xmlns:p="http://schemas.openxmlformats.org/presentationml/2006/main">
   <p:cSld>
     <p:spTree>
@@ -8385,7 +8778,7 @@
             <a:fld id="{D57F1E4F-1CFF-5643-939E-217C01CDF565}" type="slidenum">
               <a:rPr lang="en-US" smtClean="0"/>
               <a:pPr/>
-              <a:t>5</a:t>
+              <a:t>6</a:t>
             </a:fld>
             <a:endParaRPr lang="en-US" dirty="0"/>
           </a:p>
@@ -8433,7 +8826,7 @@
 </p:sld>
 </file>
 
-<file path=ppt/slides/slide6.xml><?xml version="1.0" encoding="utf-8"?>
+<file path=ppt/slides/slide7.xml><?xml version="1.0" encoding="utf-8"?>
 <p:sld xmlns:a="http://schemas.openxmlformats.org/drawingml/2006/main" xmlns:r="http://schemas.openxmlformats.org/officeDocument/2006/relationships" xmlns:p="http://schemas.openxmlformats.org/presentationml/2006/main">
   <p:cSld>
     <p:spTree>
@@ -8568,7 +8961,7 @@
             <a:fld id="{D57F1E4F-1CFF-5643-939E-217C01CDF565}" type="slidenum">
               <a:rPr lang="en-US" smtClean="0"/>
               <a:pPr/>
-              <a:t>6</a:t>
+              <a:t>7</a:t>
             </a:fld>
             <a:endParaRPr lang="en-US" dirty="0"/>
           </a:p>

--- a/Präsentation/Statuspräsentation2.pptx
+++ b/Präsentation/Statuspräsentation2.pptx
@@ -5,7 +5,7 @@
     <p:sldMasterId id="2147483648" r:id="rId1"/>
   </p:sldMasterIdLst>
   <p:notesMasterIdLst>
-    <p:notesMasterId r:id="rId9"/>
+    <p:notesMasterId r:id="rId10"/>
   </p:notesMasterIdLst>
   <p:sldIdLst>
     <p:sldId id="256" r:id="rId2"/>
@@ -15,6 +15,7 @@
     <p:sldId id="261" r:id="rId6"/>
     <p:sldId id="262" r:id="rId7"/>
     <p:sldId id="263" r:id="rId8"/>
+    <p:sldId id="264" r:id="rId9"/>
   </p:sldIdLst>
   <p:sldSz cx="12192000" cy="6858000"/>
   <p:notesSz cx="6858000" cy="9144000"/>
@@ -203,7 +204,7 @@
           <a:p>
             <a:fld id="{D1AEE69C-A511-489D-9735-98F84310A8BC}" type="datetimeFigureOut">
               <a:rPr lang="de-DE" smtClean="0"/>
-              <a:t>17.03.2019</a:t>
+              <a:t>18.03.2019</a:t>
             </a:fld>
             <a:endParaRPr lang="de-DE"/>
           </a:p>
@@ -6182,7 +6183,7 @@
           <a:lstStyle/>
           <a:p>
             <a:r>
-              <a:rPr lang="de-DE"/>
+              <a:rPr lang="de-DE" dirty="0"/>
               <a:t>KA-Sharing</a:t>
             </a:r>
             <a:br>
@@ -9000,6 +9001,272 @@
     <p:extLst>
       <p:ext uri="{BB962C8B-B14F-4D97-AF65-F5344CB8AC3E}">
         <p14:creationId xmlns:p14="http://schemas.microsoft.com/office/powerpoint/2010/main" val="841117000"/>
+      </p:ext>
+    </p:extLst>
+  </p:cSld>
+  <p:clrMapOvr>
+    <a:masterClrMapping/>
+  </p:clrMapOvr>
+</p:sld>
+</file>
+
+<file path=ppt/slides/slide8.xml><?xml version="1.0" encoding="utf-8"?>
+<p:sld xmlns:a="http://schemas.openxmlformats.org/drawingml/2006/main" xmlns:r="http://schemas.openxmlformats.org/officeDocument/2006/relationships" xmlns:p="http://schemas.openxmlformats.org/presentationml/2006/main">
+  <p:cSld>
+    <p:spTree>
+      <p:nvGrpSpPr>
+        <p:cNvPr id="1" name=""/>
+        <p:cNvGrpSpPr/>
+        <p:nvPr/>
+      </p:nvGrpSpPr>
+      <p:grpSpPr>
+        <a:xfrm>
+          <a:off x="0" y="0"/>
+          <a:ext cx="0" cy="0"/>
+          <a:chOff x="0" y="0"/>
+          <a:chExt cx="0" cy="0"/>
+        </a:xfrm>
+      </p:grpSpPr>
+      <p:sp>
+        <p:nvSpPr>
+          <p:cNvPr id="2" name="Fußzeilenplatzhalter 1">
+            <a:extLst>
+              <a:ext uri="{FF2B5EF4-FFF2-40B4-BE49-F238E27FC236}">
+                <a16:creationId xmlns:a16="http://schemas.microsoft.com/office/drawing/2014/main" id="{E7E1272E-DBA6-4C09-A303-DD0B15BECA8F}"/>
+              </a:ext>
+            </a:extLst>
+          </p:cNvPr>
+          <p:cNvSpPr>
+            <a:spLocks noGrp="1"/>
+          </p:cNvSpPr>
+          <p:nvPr>
+            <p:ph type="ftr" sz="quarter" idx="11"/>
+          </p:nvPr>
+        </p:nvSpPr>
+        <p:spPr/>
+        <p:txBody>
+          <a:bodyPr/>
+          <a:lstStyle/>
+          <a:p>
+            <a:r>
+              <a:rPr lang="en-US"/>
+              <a:t>KA-Share</a:t>
+            </a:r>
+            <a:endParaRPr lang="en-US" dirty="0"/>
+          </a:p>
+        </p:txBody>
+      </p:sp>
+      <p:sp>
+        <p:nvSpPr>
+          <p:cNvPr id="3" name="Datumsplatzhalter 2">
+            <a:extLst>
+              <a:ext uri="{FF2B5EF4-FFF2-40B4-BE49-F238E27FC236}">
+                <a16:creationId xmlns:a16="http://schemas.microsoft.com/office/drawing/2014/main" id="{2DFD3153-86A9-4D4B-A1DF-7A2F6F0BA133}"/>
+              </a:ext>
+            </a:extLst>
+          </p:cNvPr>
+          <p:cNvSpPr>
+            <a:spLocks noGrp="1"/>
+          </p:cNvSpPr>
+          <p:nvPr>
+            <p:ph type="dt" sz="half" idx="10"/>
+          </p:nvPr>
+        </p:nvSpPr>
+        <p:spPr/>
+        <p:txBody>
+          <a:bodyPr/>
+          <a:lstStyle/>
+          <a:p>
+            <a:r>
+              <a:rPr lang="de-DE" dirty="0"/>
+              <a:t>18.03.2019</a:t>
+            </a:r>
+            <a:endParaRPr lang="en-US" dirty="0"/>
+          </a:p>
+        </p:txBody>
+      </p:sp>
+      <p:pic>
+        <p:nvPicPr>
+          <p:cNvPr id="6" name="Grafik 5" descr="Auto">
+            <a:extLst>
+              <a:ext uri="{FF2B5EF4-FFF2-40B4-BE49-F238E27FC236}">
+                <a16:creationId xmlns:a16="http://schemas.microsoft.com/office/drawing/2014/main" id="{BB1CAF7E-22C8-4388-9AE5-9DB1D0690E8D}"/>
+              </a:ext>
+            </a:extLst>
+          </p:cNvPr>
+          <p:cNvPicPr>
+            <a:picLocks noChangeAspect="1"/>
+          </p:cNvPicPr>
+          <p:nvPr/>
+        </p:nvPicPr>
+        <p:blipFill>
+          <a:blip r:embed="rId2">
+            <a:extLst>
+              <a:ext uri="{96DAC541-7B7A-43D3-8B79-37D633B846F1}">
+                <asvg:svgBlip xmlns:asvg="http://schemas.microsoft.com/office/drawing/2016/SVG/main" r:embed="rId3"/>
+              </a:ext>
+            </a:extLst>
+          </a:blip>
+          <a:stretch>
+            <a:fillRect/>
+          </a:stretch>
+        </p:blipFill>
+        <p:spPr>
+          <a:xfrm rot="18952507">
+            <a:off x="10890173" y="2415118"/>
+            <a:ext cx="1228875" cy="1228875"/>
+          </a:xfrm>
+          <a:prstGeom prst="rect">
+            <a:avLst/>
+          </a:prstGeom>
+        </p:spPr>
+      </p:pic>
+      <p:sp>
+        <p:nvSpPr>
+          <p:cNvPr id="7" name="Foliennummernplatzhalter 6">
+            <a:extLst>
+              <a:ext uri="{FF2B5EF4-FFF2-40B4-BE49-F238E27FC236}">
+                <a16:creationId xmlns:a16="http://schemas.microsoft.com/office/drawing/2014/main" id="{34ED39B3-FC6D-4359-BCAC-59F383486987}"/>
+              </a:ext>
+            </a:extLst>
+          </p:cNvPr>
+          <p:cNvSpPr>
+            <a:spLocks noGrp="1"/>
+          </p:cNvSpPr>
+          <p:nvPr>
+            <p:ph type="sldNum" sz="quarter" idx="12"/>
+          </p:nvPr>
+        </p:nvSpPr>
+        <p:spPr/>
+        <p:txBody>
+          <a:bodyPr/>
+          <a:lstStyle/>
+          <a:p>
+            <a:fld id="{D57F1E4F-1CFF-5643-939E-217C01CDF565}" type="slidenum">
+              <a:rPr lang="en-US" smtClean="0"/>
+              <a:pPr/>
+              <a:t>8</a:t>
+            </a:fld>
+            <a:endParaRPr lang="en-US" dirty="0"/>
+          </a:p>
+        </p:txBody>
+      </p:sp>
+      <p:sp>
+        <p:nvSpPr>
+          <p:cNvPr id="8" name="Titel 1">
+            <a:extLst>
+              <a:ext uri="{FF2B5EF4-FFF2-40B4-BE49-F238E27FC236}">
+                <a16:creationId xmlns:a16="http://schemas.microsoft.com/office/drawing/2014/main" id="{C8176073-E419-4937-AE13-EE684378145D}"/>
+              </a:ext>
+            </a:extLst>
+          </p:cNvPr>
+          <p:cNvSpPr txBox="1">
+            <a:spLocks/>
+          </p:cNvSpPr>
+          <p:nvPr/>
+        </p:nvSpPr>
+        <p:spPr>
+          <a:xfrm>
+            <a:off x="2870851" y="1844299"/>
+            <a:ext cx="5715210" cy="1405233"/>
+          </a:xfrm>
+          <a:prstGeom prst="rect">
+            <a:avLst/>
+          </a:prstGeom>
+          <a:effectLst/>
+        </p:spPr>
+        <p:txBody>
+          <a:bodyPr vert="horz" lIns="91440" tIns="45720" rIns="91440" bIns="45720" rtlCol="0" anchor="b">
+            <a:normAutofit/>
+          </a:bodyPr>
+          <a:lstStyle>
+            <a:lvl1pPr algn="l" defTabSz="457200" rtl="0" eaLnBrk="1" latinLnBrk="0" hangingPunct="1">
+              <a:spcBef>
+                <a:spcPct val="0"/>
+              </a:spcBef>
+              <a:buNone/>
+              <a:defRPr sz="3200" b="0" kern="1200" cap="all">
+                <a:ln w="3175" cmpd="sng">
+                  <a:noFill/>
+                </a:ln>
+                <a:solidFill>
+                  <a:schemeClr val="tx1"/>
+                </a:solidFill>
+                <a:effectLst/>
+                <a:latin typeface="+mj-lt"/>
+                <a:ea typeface="+mj-ea"/>
+                <a:cs typeface="+mj-cs"/>
+              </a:defRPr>
+            </a:lvl1pPr>
+            <a:lvl2pPr eaLnBrk="1" hangingPunct="1">
+              <a:defRPr>
+                <a:solidFill>
+                  <a:schemeClr val="tx2"/>
+                </a:solidFill>
+              </a:defRPr>
+            </a:lvl2pPr>
+            <a:lvl3pPr eaLnBrk="1" hangingPunct="1">
+              <a:defRPr>
+                <a:solidFill>
+                  <a:schemeClr val="tx2"/>
+                </a:solidFill>
+              </a:defRPr>
+            </a:lvl3pPr>
+            <a:lvl4pPr eaLnBrk="1" hangingPunct="1">
+              <a:defRPr>
+                <a:solidFill>
+                  <a:schemeClr val="tx2"/>
+                </a:solidFill>
+              </a:defRPr>
+            </a:lvl4pPr>
+            <a:lvl5pPr eaLnBrk="1" hangingPunct="1">
+              <a:defRPr>
+                <a:solidFill>
+                  <a:schemeClr val="tx2"/>
+                </a:solidFill>
+              </a:defRPr>
+            </a:lvl5pPr>
+            <a:lvl6pPr eaLnBrk="1" hangingPunct="1">
+              <a:defRPr>
+                <a:solidFill>
+                  <a:schemeClr val="tx2"/>
+                </a:solidFill>
+              </a:defRPr>
+            </a:lvl6pPr>
+            <a:lvl7pPr eaLnBrk="1" hangingPunct="1">
+              <a:defRPr>
+                <a:solidFill>
+                  <a:schemeClr val="tx2"/>
+                </a:solidFill>
+              </a:defRPr>
+            </a:lvl7pPr>
+            <a:lvl8pPr eaLnBrk="1" hangingPunct="1">
+              <a:defRPr>
+                <a:solidFill>
+                  <a:schemeClr val="tx2"/>
+                </a:solidFill>
+              </a:defRPr>
+            </a:lvl8pPr>
+            <a:lvl9pPr eaLnBrk="1" hangingPunct="1">
+              <a:defRPr>
+                <a:solidFill>
+                  <a:schemeClr val="tx2"/>
+                </a:solidFill>
+              </a:defRPr>
+            </a:lvl9pPr>
+          </a:lstStyle>
+          <a:p>
+            <a:r>
+              <a:rPr lang="de-DE" sz="8000" dirty="0"/>
+              <a:t>Live Demo</a:t>
+            </a:r>
+          </a:p>
+        </p:txBody>
+      </p:sp>
+    </p:spTree>
+    <p:extLst>
+      <p:ext uri="{BB962C8B-B14F-4D97-AF65-F5344CB8AC3E}">
+        <p14:creationId xmlns:p14="http://schemas.microsoft.com/office/powerpoint/2010/main" val="314551817"/>
       </p:ext>
     </p:extLst>
   </p:cSld>

--- a/Präsentation/Statuspräsentation2.pptx
+++ b/Präsentation/Statuspräsentation2.pptx
@@ -6738,7 +6738,7 @@
             <a:avLst/>
           </a:prstGeom>
           <a:solidFill>
-            <a:srgbClr val="00B050"/>
+            <a:schemeClr val="accent3"/>
           </a:solidFill>
           <a:ln>
             <a:solidFill>
@@ -6854,7 +6854,9 @@
             <a:avLst/>
           </a:prstGeom>
           <a:solidFill>
-            <a:srgbClr val="FF0000"/>
+            <a:schemeClr val="accent6">
+              <a:lumMod val="75000"/>
+            </a:schemeClr>
           </a:solidFill>
           <a:ln>
             <a:solidFill>
@@ -7513,7 +7515,7 @@
             <a:avLst/>
           </a:prstGeom>
           <a:solidFill>
-            <a:srgbClr val="00B050"/>
+            <a:schemeClr val="accent3"/>
           </a:solidFill>
           <a:ln>
             <a:solidFill>
@@ -7571,7 +7573,9 @@
             <a:avLst/>
           </a:prstGeom>
           <a:solidFill>
-            <a:srgbClr val="FF0000"/>
+            <a:schemeClr val="accent6">
+              <a:lumMod val="75000"/>
+            </a:schemeClr>
           </a:solidFill>
           <a:ln>
             <a:solidFill>

--- a/Präsentation/Statuspräsentation2.pptx
+++ b/Präsentation/Statuspräsentation2.pptx
@@ -515,7 +515,18 @@
           <a:bodyPr/>
           <a:lstStyle/>
           <a:p>
-            <a:endParaRPr lang="de-DE" dirty="0"/>
+            <a:r>
+              <a:rPr lang="de-DE" dirty="0"/>
+              <a:t>Oli=</a:t>
+            </a:r>
+            <a:r>
+              <a:rPr lang="de-DE" dirty="0" err="1"/>
+              <a:t>Requirements</a:t>
+            </a:r>
+            <a:r>
+              <a:rPr lang="de-DE" dirty="0"/>
+              <a:t>-Engineer</a:t>
+            </a:r>
           </a:p>
         </p:txBody>
       </p:sp>
@@ -536,7 +547,7 @@
           <a:p>
             <a:fld id="{7D3A23EE-73BF-44EE-AD97-BE4BD81AF0CF}" type="slidenum">
               <a:rPr lang="de-DE" smtClean="0"/>
-              <a:t>2</a:t>
+              <a:t>1</a:t>
             </a:fld>
             <a:endParaRPr lang="de-DE"/>
           </a:p>
@@ -545,7 +556,7 @@
     </p:spTree>
     <p:extLst>
       <p:ext uri="{BB962C8B-B14F-4D97-AF65-F5344CB8AC3E}">
-        <p14:creationId xmlns:p14="http://schemas.microsoft.com/office/powerpoint/2010/main" val="104638545"/>
+        <p14:creationId xmlns:p14="http://schemas.microsoft.com/office/powerpoint/2010/main" val="3357670667"/>
       </p:ext>
     </p:extLst>
   </p:cSld>
@@ -599,16 +610,175 @@
           <a:bodyPr/>
           <a:lstStyle/>
           <a:p>
+            <a:endParaRPr lang="de-DE" dirty="0"/>
+          </a:p>
+        </p:txBody>
+      </p:sp>
+      <p:sp>
+        <p:nvSpPr>
+          <p:cNvPr id="4" name="Foliennummernplatzhalter 3"/>
+          <p:cNvSpPr>
+            <a:spLocks noGrp="1"/>
+          </p:cNvSpPr>
+          <p:nvPr>
+            <p:ph type="sldNum" sz="quarter" idx="5"/>
+          </p:nvPr>
+        </p:nvSpPr>
+        <p:spPr/>
+        <p:txBody>
+          <a:bodyPr/>
+          <a:lstStyle/>
+          <a:p>
+            <a:fld id="{7D3A23EE-73BF-44EE-AD97-BE4BD81AF0CF}" type="slidenum">
+              <a:rPr lang="de-DE" smtClean="0"/>
+              <a:t>2</a:t>
+            </a:fld>
+            <a:endParaRPr lang="de-DE"/>
+          </a:p>
+        </p:txBody>
+      </p:sp>
+    </p:spTree>
+    <p:extLst>
+      <p:ext uri="{BB962C8B-B14F-4D97-AF65-F5344CB8AC3E}">
+        <p14:creationId xmlns:p14="http://schemas.microsoft.com/office/powerpoint/2010/main" val="104638545"/>
+      </p:ext>
+    </p:extLst>
+  </p:cSld>
+  <p:clrMapOvr>
+    <a:masterClrMapping/>
+  </p:clrMapOvr>
+</p:notes>
+</file>
+
+<file path=ppt/notesSlides/notesSlide3.xml><?xml version="1.0" encoding="utf-8"?>
+<p:notes xmlns:a="http://schemas.openxmlformats.org/drawingml/2006/main" xmlns:r="http://schemas.openxmlformats.org/officeDocument/2006/relationships" xmlns:p="http://schemas.openxmlformats.org/presentationml/2006/main">
+  <p:cSld>
+    <p:spTree>
+      <p:nvGrpSpPr>
+        <p:cNvPr id="1" name=""/>
+        <p:cNvGrpSpPr/>
+        <p:nvPr/>
+      </p:nvGrpSpPr>
+      <p:grpSpPr>
+        <a:xfrm>
+          <a:off x="0" y="0"/>
+          <a:ext cx="0" cy="0"/>
+          <a:chOff x="0" y="0"/>
+          <a:chExt cx="0" cy="0"/>
+        </a:xfrm>
+      </p:grpSpPr>
+      <p:sp>
+        <p:nvSpPr>
+          <p:cNvPr id="2" name="Folienbildplatzhalter 1"/>
+          <p:cNvSpPr>
+            <a:spLocks noGrp="1" noRot="1" noChangeAspect="1"/>
+          </p:cNvSpPr>
+          <p:nvPr>
+            <p:ph type="sldImg"/>
+          </p:nvPr>
+        </p:nvSpPr>
+        <p:spPr/>
+      </p:sp>
+      <p:sp>
+        <p:nvSpPr>
+          <p:cNvPr id="3" name="Notizenplatzhalter 2"/>
+          <p:cNvSpPr>
+            <a:spLocks noGrp="1"/>
+          </p:cNvSpPr>
+          <p:nvPr>
+            <p:ph type="body" idx="1"/>
+          </p:nvPr>
+        </p:nvSpPr>
+        <p:spPr/>
+        <p:txBody>
+          <a:bodyPr/>
+          <a:lstStyle/>
+          <a:p>
             <a:r>
               <a:rPr lang="de-DE" dirty="0"/>
-              <a:t>Sprint 1: soll 11.03, tatsächliche Fertigstellung 17.03</a:t>
+              <a:t>Kernfunktionalität zu 75%</a:t>
             </a:r>
           </a:p>
           <a:p>
             <a:r>
               <a:rPr lang="de-DE" dirty="0"/>
-              <a:t>Sprint 2: geplante Fertigstellung 19.03</a:t>
-            </a:r>
+              <a:t>Sprint 1 (Fahrzeug ausleihen): soll 11.03, tatsächliche Fertigstellung 17.03</a:t>
+            </a:r>
+          </a:p>
+          <a:p>
+            <a:r>
+              <a:rPr lang="de-DE" dirty="0"/>
+              <a:t>Sprint 2 (Fahrzeug zurückgeben): Fertigstellung 18.03</a:t>
+            </a:r>
+          </a:p>
+          <a:p>
+            <a:pPr marL="0" marR="0" lvl="0" indent="0" algn="l" defTabSz="914400" rtl="0" eaLnBrk="1" fontAlgn="auto" latinLnBrk="0" hangingPunct="1">
+              <a:lnSpc>
+                <a:spcPct val="100000"/>
+              </a:lnSpc>
+              <a:spcBef>
+                <a:spcPts val="0"/>
+              </a:spcBef>
+              <a:spcAft>
+                <a:spcPts val="0"/>
+              </a:spcAft>
+              <a:buClrTx/>
+              <a:buSzTx/>
+              <a:buFontTx/>
+              <a:buNone/>
+              <a:tabLst/>
+              <a:defRPr/>
+            </a:pPr>
+            <a:r>
+              <a:rPr lang="de-DE" dirty="0"/>
+              <a:t>Sprint 2 (Fahrzeug hinzufügen): Fertigstellung 18.03</a:t>
+            </a:r>
+          </a:p>
+          <a:p>
+            <a:pPr marL="0" marR="0" lvl="0" indent="0" algn="l" defTabSz="914400" rtl="0" eaLnBrk="1" fontAlgn="auto" latinLnBrk="0" hangingPunct="1">
+              <a:lnSpc>
+                <a:spcPct val="100000"/>
+              </a:lnSpc>
+              <a:spcBef>
+                <a:spcPts val="0"/>
+              </a:spcBef>
+              <a:spcAft>
+                <a:spcPts val="0"/>
+              </a:spcAft>
+              <a:buClrTx/>
+              <a:buSzTx/>
+              <a:buFontTx/>
+              <a:buNone/>
+              <a:tabLst/>
+              <a:defRPr/>
+            </a:pPr>
+            <a:r>
+              <a:rPr lang="de-DE" dirty="0"/>
+              <a:t>Sprint 2 (Fahrzeug ausbuchen): Vorbereitung</a:t>
+            </a:r>
+          </a:p>
+          <a:p>
+            <a:pPr marL="0" marR="0" lvl="0" indent="0" algn="l" defTabSz="914400" rtl="0" eaLnBrk="1" fontAlgn="auto" latinLnBrk="0" hangingPunct="1">
+              <a:lnSpc>
+                <a:spcPct val="100000"/>
+              </a:lnSpc>
+              <a:spcBef>
+                <a:spcPts val="0"/>
+              </a:spcBef>
+              <a:spcAft>
+                <a:spcPts val="0"/>
+              </a:spcAft>
+              <a:buClrTx/>
+              <a:buSzTx/>
+              <a:buFontTx/>
+              <a:buNone/>
+              <a:tabLst/>
+              <a:defRPr/>
+            </a:pPr>
+            <a:endParaRPr lang="de-DE" dirty="0"/>
+          </a:p>
+          <a:p>
+            <a:endParaRPr lang="de-DE" dirty="0"/>
           </a:p>
         </p:txBody>
       </p:sp>
@@ -6263,10 +6433,10 @@
           <p:nvPr/>
         </p:nvPicPr>
         <p:blipFill>
-          <a:blip r:embed="rId2">
+          <a:blip r:embed="rId3">
             <a:extLst>
               <a:ext uri="{96DAC541-7B7A-43D3-8B79-37D633B846F1}">
-                <asvg:svgBlip xmlns:asvg="http://schemas.microsoft.com/office/drawing/2016/SVG/main" r:embed="rId3"/>
+                <asvg:svgBlip xmlns:asvg="http://schemas.microsoft.com/office/drawing/2016/SVG/main" r:embed="rId4"/>
               </a:ext>
             </a:extLst>
           </a:blip>
@@ -6620,8 +6790,8 @@
         </p:nvSpPr>
         <p:spPr>
           <a:xfrm>
-            <a:off x="792484" y="1553797"/>
-            <a:ext cx="7985730" cy="2547265"/>
+            <a:off x="905765" y="319203"/>
+            <a:ext cx="7985730" cy="4069917"/>
           </a:xfrm>
           <a:prstGeom prst="rect">
             <a:avLst/>
@@ -6738,7 +6908,7 @@
             <a:avLst/>
           </a:prstGeom>
           <a:solidFill>
-            <a:schemeClr val="accent3"/>
+            <a:schemeClr val="accent4"/>
           </a:solidFill>
           <a:ln>
             <a:solidFill>
@@ -6942,7 +7112,12 @@
             <p:ph type="body" idx="1"/>
           </p:nvPr>
         </p:nvSpPr>
-        <p:spPr/>
+        <p:spPr>
+          <a:xfrm>
+            <a:off x="630635" y="5014938"/>
+            <a:ext cx="8535990" cy="860400"/>
+          </a:xfrm>
+        </p:spPr>
         <p:txBody>
           <a:bodyPr/>
           <a:lstStyle/>
@@ -7107,7 +7282,7 @@
         </p:nvSpPr>
         <p:spPr>
           <a:xfrm>
-            <a:off x="985274" y="1749740"/>
+            <a:off x="1098555" y="515146"/>
             <a:ext cx="2948246" cy="2547265"/>
           </a:xfrm>
           <a:prstGeom prst="rect">
@@ -7447,14 +7622,14 @@
         </p:nvSpPr>
         <p:spPr>
           <a:xfrm>
-            <a:off x="8115162" y="3362943"/>
+            <a:off x="8228443" y="2128349"/>
             <a:ext cx="360000" cy="360000"/>
           </a:xfrm>
           <a:prstGeom prst="ellipse">
             <a:avLst/>
           </a:prstGeom>
           <a:solidFill>
-            <a:srgbClr val="FFFF00"/>
+            <a:schemeClr val="accent4"/>
           </a:solidFill>
           <a:ln>
             <a:solidFill>
@@ -7508,14 +7683,14 @@
         </p:nvSpPr>
         <p:spPr>
           <a:xfrm>
-            <a:off x="8115162" y="2603507"/>
+            <a:off x="8228443" y="1368913"/>
             <a:ext cx="360000" cy="360000"/>
           </a:xfrm>
           <a:prstGeom prst="ellipse">
             <a:avLst/>
           </a:prstGeom>
           <a:solidFill>
-            <a:schemeClr val="accent3"/>
+            <a:schemeClr val="accent4"/>
           </a:solidFill>
           <a:ln>
             <a:solidFill>
@@ -7566,7 +7741,7 @@
         </p:nvSpPr>
         <p:spPr>
           <a:xfrm>
-            <a:off x="3980526" y="2603507"/>
+            <a:off x="4093807" y="1368913"/>
             <a:ext cx="360000" cy="360000"/>
           </a:xfrm>
           <a:prstGeom prst="ellipse">
@@ -7626,7 +7801,7 @@
         </p:nvSpPr>
         <p:spPr>
           <a:xfrm>
-            <a:off x="3980526" y="3362943"/>
+            <a:off x="4093807" y="2128349"/>
             <a:ext cx="360000" cy="360000"/>
           </a:xfrm>
           <a:prstGeom prst="ellipse">
@@ -7698,7 +7873,7 @@
         </p:blipFill>
         <p:spPr>
           <a:xfrm>
-            <a:off x="685831" y="325784"/>
+            <a:off x="19737" y="279397"/>
             <a:ext cx="914400" cy="914400"/>
           </a:xfrm>
           <a:prstGeom prst="rect">
@@ -7722,8 +7897,8 @@
         </p:nvSpPr>
         <p:spPr>
           <a:xfrm>
-            <a:off x="5078267" y="1746869"/>
-            <a:ext cx="2948246" cy="2595872"/>
+            <a:off x="5191548" y="512275"/>
+            <a:ext cx="2948246" cy="3983525"/>
           </a:xfrm>
           <a:prstGeom prst="rect">
             <a:avLst/>
@@ -8007,7 +8182,45 @@
                   <a:schemeClr val="bg1"/>
                 </a:solidFill>
               </a:rPr>
-              <a:t>2. Sprint: In Bearbeitung </a:t>
+              <a:t>2. Sprint: Fertiggestellt</a:t>
+            </a:r>
+          </a:p>
+          <a:p>
+            <a:pPr algn="r"/>
+            <a:endParaRPr lang="de-DE" sz="1800" dirty="0">
+              <a:solidFill>
+                <a:schemeClr val="bg1"/>
+              </a:solidFill>
+            </a:endParaRPr>
+          </a:p>
+          <a:p>
+            <a:pPr algn="r"/>
+            <a:r>
+              <a:rPr lang="de-DE" sz="1800" dirty="0">
+                <a:solidFill>
+                  <a:schemeClr val="bg1"/>
+                </a:solidFill>
+              </a:rPr>
+              <a:t>3. Sprint: Fertiggestellt</a:t>
+            </a:r>
+          </a:p>
+          <a:p>
+            <a:pPr algn="r"/>
+            <a:endParaRPr lang="de-DE" sz="1800" dirty="0">
+              <a:solidFill>
+                <a:schemeClr val="bg1"/>
+              </a:solidFill>
+            </a:endParaRPr>
+          </a:p>
+          <a:p>
+            <a:pPr algn="r"/>
+            <a:r>
+              <a:rPr lang="de-DE" sz="1800" dirty="0">
+                <a:solidFill>
+                  <a:schemeClr val="bg1"/>
+                </a:solidFill>
+              </a:rPr>
+              <a:t>4. Sprint: In Vorbereitung </a:t>
             </a:r>
           </a:p>
           <a:p>
@@ -8065,8 +8278,8 @@
         </p:nvCxnSpPr>
         <p:spPr>
           <a:xfrm>
-            <a:off x="4785349" y="1553797"/>
-            <a:ext cx="0" cy="2547265"/>
+            <a:off x="4898630" y="319203"/>
+            <a:ext cx="0" cy="4069917"/>
           </a:xfrm>
           <a:prstGeom prst="line">
             <a:avLst/>
@@ -8094,6 +8307,128 @@
           </a:fontRef>
         </p:style>
       </p:cxnSp>
+      <p:sp>
+        <p:nvSpPr>
+          <p:cNvPr id="26" name="Ellipse 25">
+            <a:extLst>
+              <a:ext uri="{FF2B5EF4-FFF2-40B4-BE49-F238E27FC236}">
+                <a16:creationId xmlns:a16="http://schemas.microsoft.com/office/drawing/2014/main" id="{212D3AC7-AE10-474E-A1F3-96FE525BCDFD}"/>
+              </a:ext>
+            </a:extLst>
+          </p:cNvPr>
+          <p:cNvSpPr/>
+          <p:nvPr/>
+        </p:nvSpPr>
+        <p:spPr>
+          <a:xfrm>
+            <a:off x="8228443" y="2902074"/>
+            <a:ext cx="360000" cy="360000"/>
+          </a:xfrm>
+          <a:prstGeom prst="ellipse">
+            <a:avLst/>
+          </a:prstGeom>
+          <a:solidFill>
+            <a:schemeClr val="accent4"/>
+          </a:solidFill>
+          <a:ln>
+            <a:solidFill>
+              <a:schemeClr val="bg1"/>
+            </a:solidFill>
+          </a:ln>
+        </p:spPr>
+        <p:style>
+          <a:lnRef idx="2">
+            <a:schemeClr val="accent1">
+              <a:shade val="50000"/>
+            </a:schemeClr>
+          </a:lnRef>
+          <a:fillRef idx="1">
+            <a:schemeClr val="accent1"/>
+          </a:fillRef>
+          <a:effectRef idx="0">
+            <a:schemeClr val="accent1"/>
+          </a:effectRef>
+          <a:fontRef idx="minor">
+            <a:schemeClr val="lt1"/>
+          </a:fontRef>
+        </p:style>
+        <p:txBody>
+          <a:bodyPr rtlCol="0" anchor="ctr"/>
+          <a:lstStyle/>
+          <a:p>
+            <a:pPr algn="ctr"/>
+            <a:endParaRPr lang="de-DE" dirty="0">
+              <a:solidFill>
+                <a:schemeClr val="tx1"/>
+              </a:solidFill>
+              <a:highlight>
+                <a:srgbClr val="FFFF00"/>
+              </a:highlight>
+            </a:endParaRPr>
+          </a:p>
+        </p:txBody>
+      </p:sp>
+      <p:sp>
+        <p:nvSpPr>
+          <p:cNvPr id="27" name="Ellipse 26">
+            <a:extLst>
+              <a:ext uri="{FF2B5EF4-FFF2-40B4-BE49-F238E27FC236}">
+                <a16:creationId xmlns:a16="http://schemas.microsoft.com/office/drawing/2014/main" id="{0EE7E528-5B72-437C-B95E-C265B77CB24B}"/>
+              </a:ext>
+            </a:extLst>
+          </p:cNvPr>
+          <p:cNvSpPr/>
+          <p:nvPr/>
+        </p:nvSpPr>
+        <p:spPr>
+          <a:xfrm>
+            <a:off x="8228443" y="3771128"/>
+            <a:ext cx="360000" cy="360000"/>
+          </a:xfrm>
+          <a:prstGeom prst="ellipse">
+            <a:avLst/>
+          </a:prstGeom>
+          <a:solidFill>
+            <a:srgbClr val="FFFF00"/>
+          </a:solidFill>
+          <a:ln>
+            <a:solidFill>
+              <a:schemeClr val="bg1"/>
+            </a:solidFill>
+          </a:ln>
+        </p:spPr>
+        <p:style>
+          <a:lnRef idx="2">
+            <a:schemeClr val="accent1">
+              <a:shade val="50000"/>
+            </a:schemeClr>
+          </a:lnRef>
+          <a:fillRef idx="1">
+            <a:schemeClr val="accent1"/>
+          </a:fillRef>
+          <a:effectRef idx="0">
+            <a:schemeClr val="accent1"/>
+          </a:effectRef>
+          <a:fontRef idx="minor">
+            <a:schemeClr val="lt1"/>
+          </a:fontRef>
+        </p:style>
+        <p:txBody>
+          <a:bodyPr rtlCol="0" anchor="ctr"/>
+          <a:lstStyle/>
+          <a:p>
+            <a:pPr algn="ctr"/>
+            <a:endParaRPr lang="de-DE" dirty="0">
+              <a:solidFill>
+                <a:schemeClr val="tx1"/>
+              </a:solidFill>
+              <a:highlight>
+                <a:srgbClr val="FFFF00"/>
+              </a:highlight>
+            </a:endParaRPr>
+          </a:p>
+        </p:txBody>
+      </p:sp>
     </p:spTree>
     <p:extLst>
       <p:ext uri="{BB962C8B-B14F-4D97-AF65-F5344CB8AC3E}">
